--- a/SVC_Instructions.pptx
+++ b/SVC_Instructions.pptx
@@ -312,7 +312,7 @@
           <a:p>
             <a:fld id="{7D1675BD-AD94-6D41-A03C-06E36DD00519}" type="datetimeFigureOut">
               <a:rPr lang="en-US" smtClean="0"/>
-              <a:t>7/3/18</a:t>
+              <a:t>7/5/18</a:t>
             </a:fld>
             <a:endParaRPr lang="en-US"/>
           </a:p>
@@ -480,7 +480,7 @@
           <a:p>
             <a:fld id="{7D1675BD-AD94-6D41-A03C-06E36DD00519}" type="datetimeFigureOut">
               <a:rPr lang="en-US" smtClean="0"/>
-              <a:t>7/3/18</a:t>
+              <a:t>7/5/18</a:t>
             </a:fld>
             <a:endParaRPr lang="en-US"/>
           </a:p>
@@ -658,7 +658,7 @@
           <a:p>
             <a:fld id="{7D1675BD-AD94-6D41-A03C-06E36DD00519}" type="datetimeFigureOut">
               <a:rPr lang="en-US" smtClean="0"/>
-              <a:t>7/3/18</a:t>
+              <a:t>7/5/18</a:t>
             </a:fld>
             <a:endParaRPr lang="en-US"/>
           </a:p>
@@ -826,7 +826,7 @@
           <a:p>
             <a:fld id="{7D1675BD-AD94-6D41-A03C-06E36DD00519}" type="datetimeFigureOut">
               <a:rPr lang="en-US" smtClean="0"/>
-              <a:t>7/3/18</a:t>
+              <a:t>7/5/18</a:t>
             </a:fld>
             <a:endParaRPr lang="en-US"/>
           </a:p>
@@ -1071,7 +1071,7 @@
           <a:p>
             <a:fld id="{7D1675BD-AD94-6D41-A03C-06E36DD00519}" type="datetimeFigureOut">
               <a:rPr lang="en-US" smtClean="0"/>
-              <a:t>7/3/18</a:t>
+              <a:t>7/5/18</a:t>
             </a:fld>
             <a:endParaRPr lang="en-US"/>
           </a:p>
@@ -1356,7 +1356,7 @@
           <a:p>
             <a:fld id="{7D1675BD-AD94-6D41-A03C-06E36DD00519}" type="datetimeFigureOut">
               <a:rPr lang="en-US" smtClean="0"/>
-              <a:t>7/3/18</a:t>
+              <a:t>7/5/18</a:t>
             </a:fld>
             <a:endParaRPr lang="en-US"/>
           </a:p>
@@ -1775,7 +1775,7 @@
           <a:p>
             <a:fld id="{7D1675BD-AD94-6D41-A03C-06E36DD00519}" type="datetimeFigureOut">
               <a:rPr lang="en-US" smtClean="0"/>
-              <a:t>7/3/18</a:t>
+              <a:t>7/5/18</a:t>
             </a:fld>
             <a:endParaRPr lang="en-US"/>
           </a:p>
@@ -1892,7 +1892,7 @@
           <a:p>
             <a:fld id="{7D1675BD-AD94-6D41-A03C-06E36DD00519}" type="datetimeFigureOut">
               <a:rPr lang="en-US" smtClean="0"/>
-              <a:t>7/3/18</a:t>
+              <a:t>7/5/18</a:t>
             </a:fld>
             <a:endParaRPr lang="en-US"/>
           </a:p>
@@ -1987,7 +1987,7 @@
           <a:p>
             <a:fld id="{7D1675BD-AD94-6D41-A03C-06E36DD00519}" type="datetimeFigureOut">
               <a:rPr lang="en-US" smtClean="0"/>
-              <a:t>7/3/18</a:t>
+              <a:t>7/5/18</a:t>
             </a:fld>
             <a:endParaRPr lang="en-US"/>
           </a:p>
@@ -2262,7 +2262,7 @@
           <a:p>
             <a:fld id="{7D1675BD-AD94-6D41-A03C-06E36DD00519}" type="datetimeFigureOut">
               <a:rPr lang="en-US" smtClean="0"/>
-              <a:t>7/3/18</a:t>
+              <a:t>7/5/18</a:t>
             </a:fld>
             <a:endParaRPr lang="en-US"/>
           </a:p>
@@ -2514,7 +2514,7 @@
           <a:p>
             <a:fld id="{7D1675BD-AD94-6D41-A03C-06E36DD00519}" type="datetimeFigureOut">
               <a:rPr lang="en-US" smtClean="0"/>
-              <a:t>7/3/18</a:t>
+              <a:t>7/5/18</a:t>
             </a:fld>
             <a:endParaRPr lang="en-US"/>
           </a:p>
@@ -2725,7 +2725,7 @@
           <a:p>
             <a:fld id="{7D1675BD-AD94-6D41-A03C-06E36DD00519}" type="datetimeFigureOut">
               <a:rPr lang="en-US" smtClean="0"/>
-              <a:t>7/3/18</a:t>
+              <a:t>7/5/18</a:t>
             </a:fld>
             <a:endParaRPr lang="en-US"/>
           </a:p>
@@ -3410,7 +3410,7 @@
         </p:blipFill>
         <p:spPr>
           <a:xfrm>
-            <a:off x="1825993" y="2292454"/>
+            <a:off x="1886953" y="2292454"/>
             <a:ext cx="1371600" cy="1371600"/>
           </a:xfrm>
           <a:prstGeom prst="rect">
@@ -3426,8 +3426,8 @@
         </p:nvSpPr>
         <p:spPr>
           <a:xfrm>
-            <a:off x="451586" y="3797358"/>
-            <a:ext cx="4120414" cy="769441"/>
+            <a:off x="1021048" y="3797358"/>
+            <a:ext cx="3103414" cy="553998"/>
           </a:xfrm>
           <a:prstGeom prst="rect">
             <a:avLst/>
@@ -3442,14 +3442,14 @@
           <a:p>
             <a:pPr algn="ctr"/>
             <a:r>
-              <a:rPr lang="en-US" sz="4400" dirty="0">
+              <a:rPr lang="en-US" sz="3000" dirty="0">
                 <a:solidFill>
                   <a:srgbClr val="5732C7"/>
                 </a:solidFill>
                 <a:latin typeface="Futura"/>
                 <a:cs typeface="Futura"/>
               </a:rPr>
-              <a:t>true about me?</a:t>
+              <a:t>Usually, I (am)…</a:t>
             </a:r>
           </a:p>
         </p:txBody>
@@ -3482,7 +3482,7 @@
         </p:blipFill>
         <p:spPr>
           <a:xfrm>
-            <a:off x="5905654" y="2015191"/>
+            <a:off x="5552086" y="2015191"/>
             <a:ext cx="1828800" cy="1828800"/>
           </a:xfrm>
           <a:prstGeom prst="rect">
@@ -3504,8 +3504,8 @@
         </p:nvSpPr>
         <p:spPr>
           <a:xfrm>
-            <a:off x="4929097" y="3797358"/>
-            <a:ext cx="3801366" cy="769441"/>
+            <a:off x="4432229" y="3797358"/>
+            <a:ext cx="4087979" cy="553998"/>
           </a:xfrm>
           <a:prstGeom prst="rect">
             <a:avLst/>
@@ -3520,14 +3520,14 @@
           <a:p>
             <a:pPr algn="ctr"/>
             <a:r>
-              <a:rPr lang="en-US" sz="4400" dirty="0">
+              <a:rPr lang="en-US" sz="3000" dirty="0">
                 <a:solidFill>
                   <a:srgbClr val="F67D2A"/>
                 </a:solidFill>
                 <a:latin typeface="Futura"/>
                 <a:cs typeface="Futura"/>
               </a:rPr>
-              <a:t>can it change?</a:t>
+              <a:t>Usually, can change…</a:t>
             </a:r>
           </a:p>
         </p:txBody>
@@ -3600,8 +3600,8 @@
         </p:nvSpPr>
         <p:spPr>
           <a:xfrm>
-            <a:off x="2511793" y="3797358"/>
-            <a:ext cx="4120414" cy="769441"/>
+            <a:off x="2338892" y="3797358"/>
+            <a:ext cx="4466224" cy="769441"/>
           </a:xfrm>
           <a:prstGeom prst="rect">
             <a:avLst/>
@@ -3623,7 +3623,7 @@
                 <a:latin typeface="Futura"/>
                 <a:cs typeface="Futura"/>
               </a:rPr>
-              <a:t>true about me?</a:t>
+              <a:t>Usually, I (am)…</a:t>
             </a:r>
           </a:p>
         </p:txBody>
@@ -4155,8 +4155,8 @@
         </p:nvSpPr>
         <p:spPr>
           <a:xfrm>
-            <a:off x="2671319" y="3797358"/>
-            <a:ext cx="3801366" cy="769441"/>
+            <a:off x="1620655" y="3797358"/>
+            <a:ext cx="5902706" cy="769441"/>
           </a:xfrm>
           <a:prstGeom prst="rect">
             <a:avLst/>
@@ -4178,7 +4178,7 @@
                 <a:latin typeface="Futura"/>
                 <a:cs typeface="Futura"/>
               </a:rPr>
-              <a:t>can it change?</a:t>
+              <a:t>Usually, can change…</a:t>
             </a:r>
           </a:p>
         </p:txBody>

--- a/SVC_Instructions.pptx
+++ b/SVC_Instructions.pptx
@@ -312,7 +312,7 @@
           <a:p>
             <a:fld id="{7D1675BD-AD94-6D41-A03C-06E36DD00519}" type="datetimeFigureOut">
               <a:rPr lang="en-US" smtClean="0"/>
-              <a:t>7/5/18</a:t>
+              <a:t>7/10/18</a:t>
             </a:fld>
             <a:endParaRPr lang="en-US"/>
           </a:p>
@@ -480,7 +480,7 @@
           <a:p>
             <a:fld id="{7D1675BD-AD94-6D41-A03C-06E36DD00519}" type="datetimeFigureOut">
               <a:rPr lang="en-US" smtClean="0"/>
-              <a:t>7/5/18</a:t>
+              <a:t>7/10/18</a:t>
             </a:fld>
             <a:endParaRPr lang="en-US"/>
           </a:p>
@@ -658,7 +658,7 @@
           <a:p>
             <a:fld id="{7D1675BD-AD94-6D41-A03C-06E36DD00519}" type="datetimeFigureOut">
               <a:rPr lang="en-US" smtClean="0"/>
-              <a:t>7/5/18</a:t>
+              <a:t>7/10/18</a:t>
             </a:fld>
             <a:endParaRPr lang="en-US"/>
           </a:p>
@@ -826,7 +826,7 @@
           <a:p>
             <a:fld id="{7D1675BD-AD94-6D41-A03C-06E36DD00519}" type="datetimeFigureOut">
               <a:rPr lang="en-US" smtClean="0"/>
-              <a:t>7/5/18</a:t>
+              <a:t>7/10/18</a:t>
             </a:fld>
             <a:endParaRPr lang="en-US"/>
           </a:p>
@@ -1071,7 +1071,7 @@
           <a:p>
             <a:fld id="{7D1675BD-AD94-6D41-A03C-06E36DD00519}" type="datetimeFigureOut">
               <a:rPr lang="en-US" smtClean="0"/>
-              <a:t>7/5/18</a:t>
+              <a:t>7/10/18</a:t>
             </a:fld>
             <a:endParaRPr lang="en-US"/>
           </a:p>
@@ -1356,7 +1356,7 @@
           <a:p>
             <a:fld id="{7D1675BD-AD94-6D41-A03C-06E36DD00519}" type="datetimeFigureOut">
               <a:rPr lang="en-US" smtClean="0"/>
-              <a:t>7/5/18</a:t>
+              <a:t>7/10/18</a:t>
             </a:fld>
             <a:endParaRPr lang="en-US"/>
           </a:p>
@@ -1775,7 +1775,7 @@
           <a:p>
             <a:fld id="{7D1675BD-AD94-6D41-A03C-06E36DD00519}" type="datetimeFigureOut">
               <a:rPr lang="en-US" smtClean="0"/>
-              <a:t>7/5/18</a:t>
+              <a:t>7/10/18</a:t>
             </a:fld>
             <a:endParaRPr lang="en-US"/>
           </a:p>
@@ -1892,7 +1892,7 @@
           <a:p>
             <a:fld id="{7D1675BD-AD94-6D41-A03C-06E36DD00519}" type="datetimeFigureOut">
               <a:rPr lang="en-US" smtClean="0"/>
-              <a:t>7/5/18</a:t>
+              <a:t>7/10/18</a:t>
             </a:fld>
             <a:endParaRPr lang="en-US"/>
           </a:p>
@@ -1987,7 +1987,7 @@
           <a:p>
             <a:fld id="{7D1675BD-AD94-6D41-A03C-06E36DD00519}" type="datetimeFigureOut">
               <a:rPr lang="en-US" smtClean="0"/>
-              <a:t>7/5/18</a:t>
+              <a:t>7/10/18</a:t>
             </a:fld>
             <a:endParaRPr lang="en-US"/>
           </a:p>
@@ -2262,7 +2262,7 @@
           <a:p>
             <a:fld id="{7D1675BD-AD94-6D41-A03C-06E36DD00519}" type="datetimeFigureOut">
               <a:rPr lang="en-US" smtClean="0"/>
-              <a:t>7/5/18</a:t>
+              <a:t>7/10/18</a:t>
             </a:fld>
             <a:endParaRPr lang="en-US"/>
           </a:p>
@@ -2514,7 +2514,7 @@
           <a:p>
             <a:fld id="{7D1675BD-AD94-6D41-A03C-06E36DD00519}" type="datetimeFigureOut">
               <a:rPr lang="en-US" smtClean="0"/>
-              <a:t>7/5/18</a:t>
+              <a:t>7/10/18</a:t>
             </a:fld>
             <a:endParaRPr lang="en-US"/>
           </a:p>
@@ -2725,7 +2725,7 @@
           <a:p>
             <a:fld id="{7D1675BD-AD94-6D41-A03C-06E36DD00519}" type="datetimeFigureOut">
               <a:rPr lang="en-US" smtClean="0"/>
-              <a:t>7/5/18</a:t>
+              <a:t>7/10/18</a:t>
             </a:fld>
             <a:endParaRPr lang="en-US"/>
           </a:p>
@@ -3459,7 +3459,7 @@
           <p:cNvPr id="4" name="Picture 3" descr="delta.png">
             <a:extLst>
               <a:ext uri="{FF2B5EF4-FFF2-40B4-BE49-F238E27FC236}">
-                <a16:creationId xmlns:a16="http://schemas.microsoft.com/office/drawing/2014/main" id="{0259027A-8454-804B-BF68-69101D781517}"/>
+                <a16:creationId xmlns:a16="http://schemas.microsoft.com/office/drawing/2014/main" xmlns="" id="{0259027A-8454-804B-BF68-69101D781517}"/>
               </a:ext>
             </a:extLst>
           </p:cNvPr>
@@ -3495,7 +3495,7 @@
           <p:cNvPr id="5" name="TextBox 4">
             <a:extLst>
               <a:ext uri="{FF2B5EF4-FFF2-40B4-BE49-F238E27FC236}">
-                <a16:creationId xmlns:a16="http://schemas.microsoft.com/office/drawing/2014/main" id="{938C2B3C-F839-6A44-9199-B41E87029F9A}"/>
+                <a16:creationId xmlns:a16="http://schemas.microsoft.com/office/drawing/2014/main" xmlns="" id="{938C2B3C-F839-6A44-9199-B41E87029F9A}"/>
               </a:ext>
             </a:extLst>
           </p:cNvPr>
@@ -4311,8 +4311,8 @@
         </p:nvSpPr>
         <p:spPr>
           <a:xfrm>
-            <a:off x="3439457" y="3797358"/>
-            <a:ext cx="2265088" cy="769441"/>
+            <a:off x="2549367" y="3797358"/>
+            <a:ext cx="4045275" cy="769441"/>
           </a:xfrm>
           <a:prstGeom prst="rect">
             <a:avLst/>
@@ -4331,8 +4331,19 @@
                 <a:latin typeface="Futura"/>
                 <a:cs typeface="Futura"/>
               </a:rPr>
-              <a:t>resilient</a:t>
-            </a:r>
+              <a:t>e</a:t>
+            </a:r>
+            <a:r>
+              <a:rPr lang="en-US" sz="4400" dirty="0" smtClean="0">
+                <a:latin typeface="Futura"/>
+                <a:cs typeface="Futura"/>
+              </a:rPr>
+              <a:t>xpect the best</a:t>
+            </a:r>
+            <a:endParaRPr lang="en-US" sz="4400" dirty="0">
+              <a:latin typeface="Futura"/>
+              <a:cs typeface="Futura"/>
+            </a:endParaRPr>
           </a:p>
         </p:txBody>
       </p:sp>
@@ -4464,8 +4475,8 @@
         </p:nvSpPr>
         <p:spPr>
           <a:xfrm>
-            <a:off x="3439457" y="3797358"/>
-            <a:ext cx="2265088" cy="769441"/>
+            <a:off x="3235996" y="3797358"/>
+            <a:ext cx="2672015" cy="769441"/>
           </a:xfrm>
           <a:prstGeom prst="rect">
             <a:avLst/>
@@ -4480,12 +4491,16 @@
           <a:p>
             <a:pPr algn="ctr"/>
             <a:r>
-              <a:rPr lang="en-US" sz="4400" dirty="0">
+              <a:rPr lang="en-US" sz="4400" dirty="0" smtClean="0">
                 <a:latin typeface="Futura"/>
                 <a:cs typeface="Futura"/>
               </a:rPr>
-              <a:t>resilient</a:t>
-            </a:r>
+              <a:t>distracted</a:t>
+            </a:r>
+            <a:endParaRPr lang="en-US" sz="4400" dirty="0">
+              <a:latin typeface="Futura"/>
+              <a:cs typeface="Futura"/>
+            </a:endParaRPr>
           </a:p>
         </p:txBody>
       </p:sp>

--- a/SVC_Instructions.pptx
+++ b/SVC_Instructions.pptx
@@ -312,7 +312,7 @@
           <a:p>
             <a:fld id="{7D1675BD-AD94-6D41-A03C-06E36DD00519}" type="datetimeFigureOut">
               <a:rPr lang="en-US" smtClean="0"/>
-              <a:t>7/5/18</a:t>
+              <a:t>7/11/18</a:t>
             </a:fld>
             <a:endParaRPr lang="en-US"/>
           </a:p>
@@ -480,7 +480,7 @@
           <a:p>
             <a:fld id="{7D1675BD-AD94-6D41-A03C-06E36DD00519}" type="datetimeFigureOut">
               <a:rPr lang="en-US" smtClean="0"/>
-              <a:t>7/5/18</a:t>
+              <a:t>7/11/18</a:t>
             </a:fld>
             <a:endParaRPr lang="en-US"/>
           </a:p>
@@ -658,7 +658,7 @@
           <a:p>
             <a:fld id="{7D1675BD-AD94-6D41-A03C-06E36DD00519}" type="datetimeFigureOut">
               <a:rPr lang="en-US" smtClean="0"/>
-              <a:t>7/5/18</a:t>
+              <a:t>7/11/18</a:t>
             </a:fld>
             <a:endParaRPr lang="en-US"/>
           </a:p>
@@ -826,7 +826,7 @@
           <a:p>
             <a:fld id="{7D1675BD-AD94-6D41-A03C-06E36DD00519}" type="datetimeFigureOut">
               <a:rPr lang="en-US" smtClean="0"/>
-              <a:t>7/5/18</a:t>
+              <a:t>7/11/18</a:t>
             </a:fld>
             <a:endParaRPr lang="en-US"/>
           </a:p>
@@ -1071,7 +1071,7 @@
           <a:p>
             <a:fld id="{7D1675BD-AD94-6D41-A03C-06E36DD00519}" type="datetimeFigureOut">
               <a:rPr lang="en-US" smtClean="0"/>
-              <a:t>7/5/18</a:t>
+              <a:t>7/11/18</a:t>
             </a:fld>
             <a:endParaRPr lang="en-US"/>
           </a:p>
@@ -1356,7 +1356,7 @@
           <a:p>
             <a:fld id="{7D1675BD-AD94-6D41-A03C-06E36DD00519}" type="datetimeFigureOut">
               <a:rPr lang="en-US" smtClean="0"/>
-              <a:t>7/5/18</a:t>
+              <a:t>7/11/18</a:t>
             </a:fld>
             <a:endParaRPr lang="en-US"/>
           </a:p>
@@ -1775,7 +1775,7 @@
           <a:p>
             <a:fld id="{7D1675BD-AD94-6D41-A03C-06E36DD00519}" type="datetimeFigureOut">
               <a:rPr lang="en-US" smtClean="0"/>
-              <a:t>7/5/18</a:t>
+              <a:t>7/11/18</a:t>
             </a:fld>
             <a:endParaRPr lang="en-US"/>
           </a:p>
@@ -1892,7 +1892,7 @@
           <a:p>
             <a:fld id="{7D1675BD-AD94-6D41-A03C-06E36DD00519}" type="datetimeFigureOut">
               <a:rPr lang="en-US" smtClean="0"/>
-              <a:t>7/5/18</a:t>
+              <a:t>7/11/18</a:t>
             </a:fld>
             <a:endParaRPr lang="en-US"/>
           </a:p>
@@ -1987,7 +1987,7 @@
           <a:p>
             <a:fld id="{7D1675BD-AD94-6D41-A03C-06E36DD00519}" type="datetimeFigureOut">
               <a:rPr lang="en-US" smtClean="0"/>
-              <a:t>7/5/18</a:t>
+              <a:t>7/11/18</a:t>
             </a:fld>
             <a:endParaRPr lang="en-US"/>
           </a:p>
@@ -2262,7 +2262,7 @@
           <a:p>
             <a:fld id="{7D1675BD-AD94-6D41-A03C-06E36DD00519}" type="datetimeFigureOut">
               <a:rPr lang="en-US" smtClean="0"/>
-              <a:t>7/5/18</a:t>
+              <a:t>7/11/18</a:t>
             </a:fld>
             <a:endParaRPr lang="en-US"/>
           </a:p>
@@ -2514,7 +2514,7 @@
           <a:p>
             <a:fld id="{7D1675BD-AD94-6D41-A03C-06E36DD00519}" type="datetimeFigureOut">
               <a:rPr lang="en-US" smtClean="0"/>
-              <a:t>7/5/18</a:t>
+              <a:t>7/11/18</a:t>
             </a:fld>
             <a:endParaRPr lang="en-US"/>
           </a:p>
@@ -2725,7 +2725,7 @@
           <a:p>
             <a:fld id="{7D1675BD-AD94-6D41-A03C-06E36DD00519}" type="datetimeFigureOut">
               <a:rPr lang="en-US" smtClean="0"/>
-              <a:t>7/5/18</a:t>
+              <a:t>7/11/18</a:t>
             </a:fld>
             <a:endParaRPr lang="en-US"/>
           </a:p>
@@ -4311,8 +4311,8 @@
         </p:nvSpPr>
         <p:spPr>
           <a:xfrm>
-            <a:off x="3439457" y="3797358"/>
-            <a:ext cx="2265088" cy="769441"/>
+            <a:off x="2434785" y="3797358"/>
+            <a:ext cx="4274440" cy="769441"/>
           </a:xfrm>
           <a:prstGeom prst="rect">
             <a:avLst/>
@@ -4331,7 +4331,7 @@
                 <a:latin typeface="Futura"/>
                 <a:cs typeface="Futura"/>
               </a:rPr>
-              <a:t>resilient</a:t>
+              <a:t>expects the best</a:t>
             </a:r>
           </a:p>
         </p:txBody>
@@ -4464,8 +4464,8 @@
         </p:nvSpPr>
         <p:spPr>
           <a:xfrm>
-            <a:off x="3439457" y="3797358"/>
-            <a:ext cx="2265088" cy="769441"/>
+            <a:off x="3235995" y="3797358"/>
+            <a:ext cx="2672015" cy="769441"/>
           </a:xfrm>
           <a:prstGeom prst="rect">
             <a:avLst/>
@@ -4484,7 +4484,7 @@
                 <a:latin typeface="Futura"/>
                 <a:cs typeface="Futura"/>
               </a:rPr>
-              <a:t>resilient</a:t>
+              <a:t>distracted</a:t>
             </a:r>
           </a:p>
         </p:txBody>
